--- a/Seconde/Chapitre8-LentilleEtOeil/QCM/QCM lentille.pptx
+++ b/Seconde/Chapitre8-LentilleEtOeil/QCM/QCM lentille.pptx
@@ -7,6 +7,7 @@
   <p:sldIdLst>
     <p:sldId id="256" r:id="rId2"/>
     <p:sldId id="257" r:id="rId3"/>
+    <p:sldId id="258" r:id="rId4"/>
   </p:sldIdLst>
   <p:sldSz cx="12192000" cy="6858000"/>
   <p:notesSz cx="6858000" cy="9144000"/>
@@ -105,6 +106,11 @@
       </a:defRPr>
     </a:lvl9pPr>
   </p:defaultTextStyle>
+  <p:extLst>
+    <p:ext uri="{EFAFB233-063F-42B5-8137-9DF3F51BA10A}">
+      <p15:sldGuideLst xmlns:p15="http://schemas.microsoft.com/office/powerpoint/2012/main"/>
+    </p:ext>
+  </p:extLst>
 </p:presentation>
 </file>
 
@@ -257,7 +263,7 @@
           <a:p>
             <a:fld id="{6C9771BB-DADE-4359-AA4F-5047C2CED356}" type="datetimeFigureOut">
               <a:rPr lang="fr-FR" smtClean="0"/>
-              <a:t>23/02/2021</a:t>
+              <a:t>24/02/2021</a:t>
             </a:fld>
             <a:endParaRPr lang="fr-FR"/>
           </a:p>
@@ -457,7 +463,7 @@
           <a:p>
             <a:fld id="{6C9771BB-DADE-4359-AA4F-5047C2CED356}" type="datetimeFigureOut">
               <a:rPr lang="fr-FR" smtClean="0"/>
-              <a:t>23/02/2021</a:t>
+              <a:t>24/02/2021</a:t>
             </a:fld>
             <a:endParaRPr lang="fr-FR"/>
           </a:p>
@@ -667,7 +673,7 @@
           <a:p>
             <a:fld id="{6C9771BB-DADE-4359-AA4F-5047C2CED356}" type="datetimeFigureOut">
               <a:rPr lang="fr-FR" smtClean="0"/>
-              <a:t>23/02/2021</a:t>
+              <a:t>24/02/2021</a:t>
             </a:fld>
             <a:endParaRPr lang="fr-FR"/>
           </a:p>
@@ -867,7 +873,7 @@
           <a:p>
             <a:fld id="{6C9771BB-DADE-4359-AA4F-5047C2CED356}" type="datetimeFigureOut">
               <a:rPr lang="fr-FR" smtClean="0"/>
-              <a:t>23/02/2021</a:t>
+              <a:t>24/02/2021</a:t>
             </a:fld>
             <a:endParaRPr lang="fr-FR"/>
           </a:p>
@@ -1143,7 +1149,7 @@
           <a:p>
             <a:fld id="{6C9771BB-DADE-4359-AA4F-5047C2CED356}" type="datetimeFigureOut">
               <a:rPr lang="fr-FR" smtClean="0"/>
-              <a:t>23/02/2021</a:t>
+              <a:t>24/02/2021</a:t>
             </a:fld>
             <a:endParaRPr lang="fr-FR"/>
           </a:p>
@@ -1411,7 +1417,7 @@
           <a:p>
             <a:fld id="{6C9771BB-DADE-4359-AA4F-5047C2CED356}" type="datetimeFigureOut">
               <a:rPr lang="fr-FR" smtClean="0"/>
-              <a:t>23/02/2021</a:t>
+              <a:t>24/02/2021</a:t>
             </a:fld>
             <a:endParaRPr lang="fr-FR"/>
           </a:p>
@@ -1826,7 +1832,7 @@
           <a:p>
             <a:fld id="{6C9771BB-DADE-4359-AA4F-5047C2CED356}" type="datetimeFigureOut">
               <a:rPr lang="fr-FR" smtClean="0"/>
-              <a:t>23/02/2021</a:t>
+              <a:t>24/02/2021</a:t>
             </a:fld>
             <a:endParaRPr lang="fr-FR"/>
           </a:p>
@@ -1968,7 +1974,7 @@
           <a:p>
             <a:fld id="{6C9771BB-DADE-4359-AA4F-5047C2CED356}" type="datetimeFigureOut">
               <a:rPr lang="fr-FR" smtClean="0"/>
-              <a:t>23/02/2021</a:t>
+              <a:t>24/02/2021</a:t>
             </a:fld>
             <a:endParaRPr lang="fr-FR"/>
           </a:p>
@@ -2081,7 +2087,7 @@
           <a:p>
             <a:fld id="{6C9771BB-DADE-4359-AA4F-5047C2CED356}" type="datetimeFigureOut">
               <a:rPr lang="fr-FR" smtClean="0"/>
-              <a:t>23/02/2021</a:t>
+              <a:t>24/02/2021</a:t>
             </a:fld>
             <a:endParaRPr lang="fr-FR"/>
           </a:p>
@@ -2394,7 +2400,7 @@
           <a:p>
             <a:fld id="{6C9771BB-DADE-4359-AA4F-5047C2CED356}" type="datetimeFigureOut">
               <a:rPr lang="fr-FR" smtClean="0"/>
-              <a:t>23/02/2021</a:t>
+              <a:t>24/02/2021</a:t>
             </a:fld>
             <a:endParaRPr lang="fr-FR"/>
           </a:p>
@@ -2683,7 +2689,7 @@
           <a:p>
             <a:fld id="{6C9771BB-DADE-4359-AA4F-5047C2CED356}" type="datetimeFigureOut">
               <a:rPr lang="fr-FR" smtClean="0"/>
-              <a:t>23/02/2021</a:t>
+              <a:t>24/02/2021</a:t>
             </a:fld>
             <a:endParaRPr lang="fr-FR"/>
           </a:p>
@@ -2926,7 +2932,7 @@
           <a:p>
             <a:fld id="{6C9771BB-DADE-4359-AA4F-5047C2CED356}" type="datetimeFigureOut">
               <a:rPr lang="fr-FR" smtClean="0"/>
-              <a:t>23/02/2021</a:t>
+              <a:t>24/02/2021</a:t>
             </a:fld>
             <a:endParaRPr lang="fr-FR"/>
           </a:p>
@@ -3631,6 +3637,329 @@
 </p:sld>
 </file>
 
+<file path=ppt/slides/slide3.xml><?xml version="1.0" encoding="utf-8"?>
+<p:sld xmlns:a="http://schemas.openxmlformats.org/drawingml/2006/main" xmlns:r="http://schemas.openxmlformats.org/officeDocument/2006/relationships" xmlns:p="http://schemas.openxmlformats.org/presentationml/2006/main">
+  <p:cSld>
+    <p:spTree>
+      <p:nvGrpSpPr>
+        <p:cNvPr id="1" name=""/>
+        <p:cNvGrpSpPr/>
+        <p:nvPr/>
+      </p:nvGrpSpPr>
+      <p:grpSpPr>
+        <a:xfrm>
+          <a:off x="0" y="0"/>
+          <a:ext cx="0" cy="0"/>
+          <a:chOff x="0" y="0"/>
+          <a:chExt cx="0" cy="0"/>
+        </a:xfrm>
+      </p:grpSpPr>
+      <p:pic>
+        <p:nvPicPr>
+          <p:cNvPr id="8" name="Picture 7">
+            <a:extLst>
+              <a:ext uri="{FF2B5EF4-FFF2-40B4-BE49-F238E27FC236}">
+                <a16:creationId xmlns:a16="http://schemas.microsoft.com/office/drawing/2014/main" id="{D3317E88-9B61-4D26-A19B-D3E6117B363E}"/>
+              </a:ext>
+            </a:extLst>
+          </p:cNvPr>
+          <p:cNvPicPr>
+            <a:picLocks noChangeAspect="1"/>
+          </p:cNvPicPr>
+          <p:nvPr/>
+        </p:nvPicPr>
+        <p:blipFill rotWithShape="1">
+          <a:blip r:embed="rId2"/>
+          <a:srcRect b="247"/>
+          <a:stretch/>
+        </p:blipFill>
+        <p:spPr>
+          <a:xfrm>
+            <a:off x="2732693" y="697323"/>
+            <a:ext cx="6726613" cy="5130800"/>
+          </a:xfrm>
+          <a:prstGeom prst="rect">
+            <a:avLst/>
+          </a:prstGeom>
+        </p:spPr>
+      </p:pic>
+      <p:cxnSp>
+        <p:nvCxnSpPr>
+          <p:cNvPr id="9" name="Straight Arrow Connector 8">
+            <a:extLst>
+              <a:ext uri="{FF2B5EF4-FFF2-40B4-BE49-F238E27FC236}">
+                <a16:creationId xmlns:a16="http://schemas.microsoft.com/office/drawing/2014/main" id="{2F8F53CD-60C6-40E7-BA33-8294F861DC27}"/>
+              </a:ext>
+            </a:extLst>
+          </p:cNvPr>
+          <p:cNvCxnSpPr>
+            <a:cxnSpLocks/>
+          </p:cNvCxnSpPr>
+          <p:nvPr/>
+        </p:nvCxnSpPr>
+        <p:spPr>
+          <a:xfrm flipV="1">
+            <a:off x="3575407" y="2558266"/>
+            <a:ext cx="0" cy="955496"/>
+          </a:xfrm>
+          <a:prstGeom prst="straightConnector1">
+            <a:avLst/>
+          </a:prstGeom>
+          <a:ln w="50800">
+            <a:solidFill>
+              <a:srgbClr val="00B050"/>
+            </a:solidFill>
+            <a:headEnd type="triangle"/>
+            <a:tailEnd type="triangle"/>
+          </a:ln>
+        </p:spPr>
+        <p:style>
+          <a:lnRef idx="1">
+            <a:schemeClr val="accent1"/>
+          </a:lnRef>
+          <a:fillRef idx="0">
+            <a:schemeClr val="accent1"/>
+          </a:fillRef>
+          <a:effectRef idx="0">
+            <a:schemeClr val="accent1"/>
+          </a:effectRef>
+          <a:fontRef idx="minor">
+            <a:schemeClr val="tx1"/>
+          </a:fontRef>
+        </p:style>
+      </p:cxnSp>
+      <p:cxnSp>
+        <p:nvCxnSpPr>
+          <p:cNvPr id="12" name="Straight Connector 11">
+            <a:extLst>
+              <a:ext uri="{FF2B5EF4-FFF2-40B4-BE49-F238E27FC236}">
+                <a16:creationId xmlns:a16="http://schemas.microsoft.com/office/drawing/2014/main" id="{315817AF-4FC7-4A32-B4C2-DE6879013698}"/>
+              </a:ext>
+            </a:extLst>
+          </p:cNvPr>
+          <p:cNvCxnSpPr>
+            <a:cxnSpLocks/>
+          </p:cNvCxnSpPr>
+          <p:nvPr/>
+        </p:nvCxnSpPr>
+        <p:spPr>
+          <a:xfrm>
+            <a:off x="1972638" y="3036014"/>
+            <a:ext cx="1602769" cy="0"/>
+          </a:xfrm>
+          <a:prstGeom prst="line">
+            <a:avLst/>
+          </a:prstGeom>
+          <a:ln w="53975">
+            <a:solidFill>
+              <a:srgbClr val="00B050"/>
+            </a:solidFill>
+          </a:ln>
+        </p:spPr>
+        <p:style>
+          <a:lnRef idx="1">
+            <a:schemeClr val="accent1"/>
+          </a:lnRef>
+          <a:fillRef idx="0">
+            <a:schemeClr val="accent1"/>
+          </a:fillRef>
+          <a:effectRef idx="0">
+            <a:schemeClr val="accent1"/>
+          </a:effectRef>
+          <a:fontRef idx="minor">
+            <a:schemeClr val="tx1"/>
+          </a:fontRef>
+        </p:style>
+      </p:cxnSp>
+      <p:cxnSp>
+        <p:nvCxnSpPr>
+          <p:cNvPr id="14" name="Straight Connector 13">
+            <a:extLst>
+              <a:ext uri="{FF2B5EF4-FFF2-40B4-BE49-F238E27FC236}">
+                <a16:creationId xmlns:a16="http://schemas.microsoft.com/office/drawing/2014/main" id="{ED1E029F-BC5D-454A-8B4B-49986CAE94A0}"/>
+              </a:ext>
+            </a:extLst>
+          </p:cNvPr>
+          <p:cNvCxnSpPr>
+            <a:cxnSpLocks/>
+          </p:cNvCxnSpPr>
+          <p:nvPr/>
+        </p:nvCxnSpPr>
+        <p:spPr>
+          <a:xfrm>
+            <a:off x="2732693" y="1417834"/>
+            <a:ext cx="935181" cy="845906"/>
+          </a:xfrm>
+          <a:prstGeom prst="line">
+            <a:avLst/>
+          </a:prstGeom>
+          <a:ln w="53975">
+            <a:solidFill>
+              <a:srgbClr val="00B050"/>
+            </a:solidFill>
+            <a:tailEnd type="stealth" w="lg" len="lg"/>
+          </a:ln>
+        </p:spPr>
+        <p:style>
+          <a:lnRef idx="1">
+            <a:schemeClr val="accent1"/>
+          </a:lnRef>
+          <a:fillRef idx="0">
+            <a:schemeClr val="accent1"/>
+          </a:fillRef>
+          <a:effectRef idx="0">
+            <a:schemeClr val="accent1"/>
+          </a:effectRef>
+          <a:fontRef idx="minor">
+            <a:schemeClr val="tx1"/>
+          </a:fontRef>
+        </p:style>
+      </p:cxnSp>
+      <p:cxnSp>
+        <p:nvCxnSpPr>
+          <p:cNvPr id="16" name="Straight Connector 15">
+            <a:extLst>
+              <a:ext uri="{FF2B5EF4-FFF2-40B4-BE49-F238E27FC236}">
+                <a16:creationId xmlns:a16="http://schemas.microsoft.com/office/drawing/2014/main" id="{7A30FF9D-2EF7-4657-8EB0-FE458ECB32EE}"/>
+              </a:ext>
+            </a:extLst>
+          </p:cNvPr>
+          <p:cNvCxnSpPr>
+            <a:cxnSpLocks/>
+          </p:cNvCxnSpPr>
+          <p:nvPr/>
+        </p:nvCxnSpPr>
+        <p:spPr>
+          <a:xfrm flipV="1">
+            <a:off x="2989780" y="3174715"/>
+            <a:ext cx="1078786" cy="1736332"/>
+          </a:xfrm>
+          <a:prstGeom prst="line">
+            <a:avLst/>
+          </a:prstGeom>
+          <a:ln w="53975">
+            <a:solidFill>
+              <a:srgbClr val="00B050"/>
+            </a:solidFill>
+            <a:tailEnd type="stealth" w="lg" len="lg"/>
+          </a:ln>
+        </p:spPr>
+        <p:style>
+          <a:lnRef idx="1">
+            <a:schemeClr val="accent1"/>
+          </a:lnRef>
+          <a:fillRef idx="0">
+            <a:schemeClr val="accent1"/>
+          </a:fillRef>
+          <a:effectRef idx="0">
+            <a:schemeClr val="accent1"/>
+          </a:effectRef>
+          <a:fontRef idx="minor">
+            <a:schemeClr val="tx1"/>
+          </a:fontRef>
+        </p:style>
+      </p:cxnSp>
+      <p:cxnSp>
+        <p:nvCxnSpPr>
+          <p:cNvPr id="20" name="Straight Connector 19">
+            <a:extLst>
+              <a:ext uri="{FF2B5EF4-FFF2-40B4-BE49-F238E27FC236}">
+                <a16:creationId xmlns:a16="http://schemas.microsoft.com/office/drawing/2014/main" id="{82031D5C-0F32-47B8-8477-EE884A9F76DB}"/>
+              </a:ext>
+            </a:extLst>
+          </p:cNvPr>
+          <p:cNvCxnSpPr>
+            <a:cxnSpLocks/>
+          </p:cNvCxnSpPr>
+          <p:nvPr/>
+        </p:nvCxnSpPr>
+        <p:spPr>
+          <a:xfrm flipH="1">
+            <a:off x="7798086" y="1840787"/>
+            <a:ext cx="1171253" cy="881865"/>
+          </a:xfrm>
+          <a:prstGeom prst="line">
+            <a:avLst/>
+          </a:prstGeom>
+          <a:ln w="53975">
+            <a:solidFill>
+              <a:srgbClr val="00B050"/>
+            </a:solidFill>
+            <a:tailEnd type="stealth" w="lg" len="lg"/>
+          </a:ln>
+        </p:spPr>
+        <p:style>
+          <a:lnRef idx="1">
+            <a:schemeClr val="accent1"/>
+          </a:lnRef>
+          <a:fillRef idx="0">
+            <a:schemeClr val="accent1"/>
+          </a:fillRef>
+          <a:effectRef idx="0">
+            <a:schemeClr val="accent1"/>
+          </a:effectRef>
+          <a:fontRef idx="minor">
+            <a:schemeClr val="tx1"/>
+          </a:fontRef>
+        </p:style>
+      </p:cxnSp>
+      <p:cxnSp>
+        <p:nvCxnSpPr>
+          <p:cNvPr id="23" name="Straight Connector 22">
+            <a:extLst>
+              <a:ext uri="{FF2B5EF4-FFF2-40B4-BE49-F238E27FC236}">
+                <a16:creationId xmlns:a16="http://schemas.microsoft.com/office/drawing/2014/main" id="{C35DB063-51A7-454E-A4BC-FA66F2DE6323}"/>
+              </a:ext>
+            </a:extLst>
+          </p:cNvPr>
+          <p:cNvCxnSpPr>
+            <a:cxnSpLocks/>
+          </p:cNvCxnSpPr>
+          <p:nvPr/>
+        </p:nvCxnSpPr>
+        <p:spPr>
+          <a:xfrm flipH="1" flipV="1">
+            <a:off x="8736575" y="4114800"/>
+            <a:ext cx="465528" cy="1275708"/>
+          </a:xfrm>
+          <a:prstGeom prst="line">
+            <a:avLst/>
+          </a:prstGeom>
+          <a:ln w="53975">
+            <a:solidFill>
+              <a:srgbClr val="00B050"/>
+            </a:solidFill>
+            <a:tailEnd type="stealth" w="lg" len="lg"/>
+          </a:ln>
+        </p:spPr>
+        <p:style>
+          <a:lnRef idx="1">
+            <a:schemeClr val="accent1"/>
+          </a:lnRef>
+          <a:fillRef idx="0">
+            <a:schemeClr val="accent1"/>
+          </a:fillRef>
+          <a:effectRef idx="0">
+            <a:schemeClr val="accent1"/>
+          </a:effectRef>
+          <a:fontRef idx="minor">
+            <a:schemeClr val="tx1"/>
+          </a:fontRef>
+        </p:style>
+      </p:cxnSp>
+    </p:spTree>
+    <p:extLst>
+      <p:ext uri="{BB962C8B-B14F-4D97-AF65-F5344CB8AC3E}">
+        <p14:creationId xmlns:p14="http://schemas.microsoft.com/office/powerpoint/2010/main" val="3163690296"/>
+      </p:ext>
+    </p:extLst>
+  </p:cSld>
+  <p:clrMapOvr>
+    <a:masterClrMapping/>
+  </p:clrMapOvr>
+</p:sld>
+</file>
+
 <file path=ppt/theme/theme1.xml><?xml version="1.0" encoding="utf-8"?>
 <a:theme xmlns:a="http://schemas.openxmlformats.org/drawingml/2006/main" name="Office Theme">
   <a:themeElements>
